--- a/doc/LabHadoop.pptx
+++ b/doc/LabHadoop.pptx
@@ -6167,11 +6167,11 @@
   <p:clrMapOvr>
     <a:masterClrMapping/>
   </p:clrMapOvr>
-  <mc:AlternateContent xmlns:mc="http://schemas.openxmlformats.org/markup-compatibility/2006">
-    <mc:Choice xmlns:p14="http://schemas.microsoft.com/office/powerpoint/2010/main" Requires="p14">
+  <mc:AlternateContent xmlns:mc="http://schemas.openxmlformats.org/markup-compatibility/2006" xmlns:p14="http://schemas.microsoft.com/office/powerpoint/2010/main">
+    <mc:Choice Requires="p14">
       <p:transition spd="slow" p14:dur="2000"/>
     </mc:Choice>
-    <mc:Fallback>
+    <mc:Fallback xmlns="">
       <p:transition xmlns:p14="http://schemas.microsoft.com/office/powerpoint/2010/main" spd="slow"/>
     </mc:Fallback>
   </mc:AlternateContent>
@@ -6433,11 +6433,11 @@
   <p:clrMapOvr>
     <a:masterClrMapping/>
   </p:clrMapOvr>
-  <mc:AlternateContent xmlns:mc="http://schemas.openxmlformats.org/markup-compatibility/2006">
-    <mc:Choice xmlns:p14="http://schemas.microsoft.com/office/powerpoint/2010/main" Requires="p14">
+  <mc:AlternateContent xmlns:mc="http://schemas.openxmlformats.org/markup-compatibility/2006" xmlns:p14="http://schemas.microsoft.com/office/powerpoint/2010/main">
+    <mc:Choice Requires="p14">
       <p:transition spd="slow" p14:dur="2000"/>
     </mc:Choice>
-    <mc:Fallback>
+    <mc:Fallback xmlns="">
       <p:transition xmlns:p14="http://schemas.microsoft.com/office/powerpoint/2010/main" spd="slow"/>
     </mc:Fallback>
   </mc:AlternateContent>
@@ -6935,7 +6935,7 @@
       </p:sp>
       <p:pic>
         <p:nvPicPr>
-          <p:cNvPr id="4" name="內容版面配置區 3" descr="螢幕快照 2015-09-21 上午10.49.26.png"/>
+          <p:cNvPr id="5" name="內容版面配置區 4" descr="螢幕快照 2015-09-21 下午5.07.59.png"/>
           <p:cNvPicPr>
             <a:picLocks noGrp="1" noChangeAspect="1"/>
           </p:cNvPicPr>
@@ -6951,7 +6951,7 @@
               </a:ext>
             </a:extLst>
           </a:blip>
-          <a:srcRect l="-366" r="-366"/>
+          <a:srcRect t="-255" b="-255"/>
           <a:stretch>
             <a:fillRect/>
           </a:stretch>
@@ -7020,14 +7020,7 @@
                 <a:latin typeface="Hannotate TC Regular"/>
                 <a:cs typeface="Hannotate TC Regular"/>
               </a:rPr>
-              <a:t>Learning </a:t>
-            </a:r>
-            <a:r>
-              <a:rPr kumimoji="1" lang="en-US" altLang="zh-TW" dirty="0" smtClean="0">
-                <a:latin typeface="Hannotate TC Regular"/>
-                <a:cs typeface="Hannotate TC Regular"/>
-              </a:rPr>
-              <a:t>R</a:t>
+              <a:t>Learning R</a:t>
             </a:r>
             <a:endParaRPr kumimoji="1" lang="zh-TW" altLang="en-US" dirty="0">
               <a:latin typeface="Hannotate TC Regular"/>

--- a/doc/LabHadoop.pptx
+++ b/doc/LabHadoop.pptx
@@ -6496,7 +6496,7 @@
       </p:sp>
       <p:pic>
         <p:nvPicPr>
-          <p:cNvPr id="6" name="內容版面配置區 5" descr="螢幕快照 2015-09-18 下午5.15.56.png"/>
+          <p:cNvPr id="7" name="內容版面配置區 6" descr="螢幕快照 2015-09-21 下午9.33.01.png"/>
           <p:cNvPicPr>
             <a:picLocks noGrp="1" noChangeAspect="1"/>
           </p:cNvPicPr>
@@ -6512,7 +6512,7 @@
               </a:ext>
             </a:extLst>
           </a:blip>
-          <a:srcRect t="-466" b="-466"/>
+          <a:srcRect l="-8121" r="-8121"/>
           <a:stretch>
             <a:fillRect/>
           </a:stretch>
@@ -7748,7 +7748,6 @@
             <a:r>
               <a:rPr kumimoji="1" lang="en-US" altLang="zh-TW" sz="2000" dirty="0">
                 <a:latin typeface="微軟正黑體"/>
-                <a:ea typeface="微軟正黑體"/>
                 <a:cs typeface="微軟正黑體"/>
               </a:rPr>
               <a:t>【</a:t>
@@ -7756,7 +7755,6 @@
             <a:r>
               <a:rPr kumimoji="1" lang="zh-TW" altLang="en-US" sz="2000" dirty="0">
                 <a:latin typeface="微軟正黑體"/>
-                <a:ea typeface="微軟正黑體"/>
                 <a:cs typeface="微軟正黑體"/>
               </a:rPr>
               <a:t>實作主題</a:t>
@@ -7764,14 +7762,12 @@
             <a:r>
               <a:rPr kumimoji="1" lang="en-US" altLang="zh-TW" sz="2000" dirty="0">
                 <a:latin typeface="微軟正黑體"/>
-                <a:ea typeface="微軟正黑體"/>
                 <a:cs typeface="微軟正黑體"/>
               </a:rPr>
               <a:t>】 </a:t>
             </a:r>
             <a:endParaRPr kumimoji="1" lang="en-US" altLang="zh-TW" sz="2000" dirty="0" smtClean="0">
               <a:latin typeface="微軟正黑體"/>
-              <a:ea typeface="微軟正黑體"/>
               <a:cs typeface="微軟正黑體"/>
             </a:endParaRPr>
           </a:p>
@@ -7780,7 +7776,6 @@
             <a:r>
               <a:rPr kumimoji="1" lang="zh-TW" altLang="en-US" sz="2000" dirty="0" smtClean="0">
                 <a:latin typeface="微軟正黑體"/>
-                <a:ea typeface="微軟正黑體"/>
                 <a:cs typeface="微軟正黑體"/>
               </a:rPr>
               <a:t>本</a:t>
@@ -7788,7 +7783,6 @@
             <a:r>
               <a:rPr kumimoji="1" lang="zh-TW" altLang="en-US" sz="2000" dirty="0">
                 <a:latin typeface="微軟正黑體"/>
-                <a:ea typeface="微軟正黑體"/>
                 <a:cs typeface="微軟正黑體"/>
               </a:rPr>
               <a:t>次實作</a:t>
@@ -7796,7 +7790,6 @@
             <a:r>
               <a:rPr kumimoji="1" lang="en-US" altLang="zh-TW" sz="2000" dirty="0">
                 <a:latin typeface="微軟正黑體"/>
-                <a:ea typeface="微軟正黑體"/>
                 <a:cs typeface="微軟正黑體"/>
               </a:rPr>
               <a:t>Lab</a:t>
@@ -7804,7 +7797,6 @@
             <a:r>
               <a:rPr kumimoji="1" lang="zh-TW" altLang="en-US" sz="2000" dirty="0">
                 <a:latin typeface="微軟正黑體"/>
-                <a:ea typeface="微軟正黑體"/>
                 <a:cs typeface="微軟正黑體"/>
               </a:rPr>
               <a:t>主題</a:t>
@@ -7812,7 +7804,6 @@
             <a:r>
               <a:rPr kumimoji="1" lang="en-US" altLang="zh-TW" sz="2000" dirty="0">
                 <a:latin typeface="微軟正黑體"/>
-                <a:ea typeface="微軟正黑體"/>
                 <a:cs typeface="微軟正黑體"/>
               </a:rPr>
               <a:t>:</a:t>
@@ -7820,14 +7811,47 @@
             <a:r>
               <a:rPr kumimoji="1" lang="zh-TW" altLang="en-US" sz="2000" dirty="0" smtClean="0">
                 <a:latin typeface="微軟正黑體"/>
-                <a:ea typeface="微軟正黑體"/>
                 <a:cs typeface="微軟正黑體"/>
               </a:rPr>
-              <a:t>「」。</a:t>
+              <a:t>「</a:t>
+            </a:r>
+            <a:r>
+              <a:rPr lang="zh-TW" altLang="en-US" sz="2000" dirty="0" smtClean="0">
+                <a:latin typeface="微軟正黑體"/>
+                <a:cs typeface="微軟正黑體"/>
+              </a:rPr>
+              <a:t>大型分散式系統</a:t>
+            </a:r>
+            <a:r>
+              <a:rPr lang="en-US" altLang="zh-TW" sz="2000" dirty="0" smtClean="0">
+                <a:latin typeface="微軟正黑體"/>
+                <a:cs typeface="微軟正黑體"/>
+              </a:rPr>
+              <a:t>-</a:t>
+            </a:r>
+            <a:r>
+              <a:rPr lang="zh-TW" altLang="en-US" sz="2000" dirty="0" smtClean="0">
+                <a:latin typeface="微軟正黑體"/>
+                <a:cs typeface="微軟正黑體"/>
+              </a:rPr>
+              <a:t>使用者資料分析</a:t>
+            </a:r>
+            <a:r>
+              <a:rPr kumimoji="1" lang="zh-TW" altLang="en-US" sz="2000" dirty="0" smtClean="0">
+                <a:latin typeface="微軟正黑體"/>
+                <a:cs typeface="微軟正黑體"/>
+              </a:rPr>
+              <a:t>」。</a:t>
+            </a:r>
+            <a:r>
+              <a:rPr kumimoji="1" lang="en-US" altLang="zh-TW" sz="2000" dirty="0" smtClean="0">
+                <a:latin typeface="微軟正黑體"/>
+                <a:cs typeface="微軟正黑體"/>
+              </a:rPr>
+              <a:t>	</a:t>
             </a:r>
             <a:endParaRPr kumimoji="1" lang="zh-TW" altLang="en-US" sz="2000" dirty="0">
               <a:latin typeface="微軟正黑體"/>
-              <a:ea typeface="微軟正黑體"/>
               <a:cs typeface="微軟正黑體"/>
             </a:endParaRPr>
           </a:p>

--- a/doc/LabHadoop.pptx
+++ b/doc/LabHadoop.pptx
@@ -34,7 +34,6 @@
     <p:sldId id="296" r:id="rId28"/>
     <p:sldId id="274" r:id="rId29"/>
     <p:sldId id="283" r:id="rId30"/>
-    <p:sldId id="260" r:id="rId31"/>
   </p:sldIdLst>
   <p:sldSz cx="9144000" cy="6858000" type="screen4x3"/>
   <p:notesSz cx="6858000" cy="9144000"/>
@@ -317,7 +316,7 @@
           <a:p>
             <a:fld id="{6B19A3A6-0344-8440-8A8D-895524E3F2EB}" type="datetimeFigureOut">
               <a:rPr kumimoji="1" lang="zh-TW" altLang="en-US" smtClean="0"/>
-              <a:t>15/9/21</a:t>
+              <a:t>16/1/30</a:t>
             </a:fld>
             <a:endParaRPr kumimoji="1" lang="zh-TW" altLang="en-US"/>
           </a:p>
@@ -487,7 +486,7 @@
           <a:p>
             <a:fld id="{6B19A3A6-0344-8440-8A8D-895524E3F2EB}" type="datetimeFigureOut">
               <a:rPr kumimoji="1" lang="zh-TW" altLang="en-US" smtClean="0"/>
-              <a:t>15/9/21</a:t>
+              <a:t>16/1/30</a:t>
             </a:fld>
             <a:endParaRPr kumimoji="1" lang="zh-TW" altLang="en-US"/>
           </a:p>
@@ -667,7 +666,7 @@
           <a:p>
             <a:fld id="{6B19A3A6-0344-8440-8A8D-895524E3F2EB}" type="datetimeFigureOut">
               <a:rPr kumimoji="1" lang="zh-TW" altLang="en-US" smtClean="0"/>
-              <a:t>15/9/21</a:t>
+              <a:t>16/1/30</a:t>
             </a:fld>
             <a:endParaRPr kumimoji="1" lang="zh-TW" altLang="en-US"/>
           </a:p>
@@ -837,7 +836,7 @@
           <a:p>
             <a:fld id="{6B19A3A6-0344-8440-8A8D-895524E3F2EB}" type="datetimeFigureOut">
               <a:rPr kumimoji="1" lang="zh-TW" altLang="en-US" smtClean="0"/>
-              <a:t>15/9/21</a:t>
+              <a:t>16/1/30</a:t>
             </a:fld>
             <a:endParaRPr kumimoji="1" lang="zh-TW" altLang="en-US"/>
           </a:p>
@@ -1083,7 +1082,7 @@
           <a:p>
             <a:fld id="{6B19A3A6-0344-8440-8A8D-895524E3F2EB}" type="datetimeFigureOut">
               <a:rPr kumimoji="1" lang="zh-TW" altLang="en-US" smtClean="0"/>
-              <a:t>15/9/21</a:t>
+              <a:t>16/1/30</a:t>
             </a:fld>
             <a:endParaRPr kumimoji="1" lang="zh-TW" altLang="en-US"/>
           </a:p>
@@ -1371,7 +1370,7 @@
           <a:p>
             <a:fld id="{6B19A3A6-0344-8440-8A8D-895524E3F2EB}" type="datetimeFigureOut">
               <a:rPr kumimoji="1" lang="zh-TW" altLang="en-US" smtClean="0"/>
-              <a:t>15/9/21</a:t>
+              <a:t>16/1/30</a:t>
             </a:fld>
             <a:endParaRPr kumimoji="1" lang="zh-TW" altLang="en-US"/>
           </a:p>
@@ -1793,7 +1792,7 @@
           <a:p>
             <a:fld id="{6B19A3A6-0344-8440-8A8D-895524E3F2EB}" type="datetimeFigureOut">
               <a:rPr kumimoji="1" lang="zh-TW" altLang="en-US" smtClean="0"/>
-              <a:t>15/9/21</a:t>
+              <a:t>16/1/30</a:t>
             </a:fld>
             <a:endParaRPr kumimoji="1" lang="zh-TW" altLang="en-US"/>
           </a:p>
@@ -1911,7 +1910,7 @@
           <a:p>
             <a:fld id="{6B19A3A6-0344-8440-8A8D-895524E3F2EB}" type="datetimeFigureOut">
               <a:rPr kumimoji="1" lang="zh-TW" altLang="en-US" smtClean="0"/>
-              <a:t>15/9/21</a:t>
+              <a:t>16/1/30</a:t>
             </a:fld>
             <a:endParaRPr kumimoji="1" lang="zh-TW" altLang="en-US"/>
           </a:p>
@@ -2006,7 +2005,7 @@
           <a:p>
             <a:fld id="{6B19A3A6-0344-8440-8A8D-895524E3F2EB}" type="datetimeFigureOut">
               <a:rPr kumimoji="1" lang="zh-TW" altLang="en-US" smtClean="0"/>
-              <a:t>15/9/21</a:t>
+              <a:t>16/1/30</a:t>
             </a:fld>
             <a:endParaRPr kumimoji="1" lang="zh-TW" altLang="en-US"/>
           </a:p>
@@ -2283,7 +2282,7 @@
           <a:p>
             <a:fld id="{6B19A3A6-0344-8440-8A8D-895524E3F2EB}" type="datetimeFigureOut">
               <a:rPr kumimoji="1" lang="zh-TW" altLang="en-US" smtClean="0"/>
-              <a:t>15/9/21</a:t>
+              <a:t>16/1/30</a:t>
             </a:fld>
             <a:endParaRPr kumimoji="1" lang="zh-TW" altLang="en-US"/>
           </a:p>
@@ -2536,7 +2535,7 @@
           <a:p>
             <a:fld id="{6B19A3A6-0344-8440-8A8D-895524E3F2EB}" type="datetimeFigureOut">
               <a:rPr kumimoji="1" lang="zh-TW" altLang="en-US" smtClean="0"/>
-              <a:t>15/9/21</a:t>
+              <a:t>16/1/30</a:t>
             </a:fld>
             <a:endParaRPr kumimoji="1" lang="zh-TW" altLang="en-US"/>
           </a:p>
@@ -2749,7 +2748,7 @@
           <a:p>
             <a:fld id="{6B19A3A6-0344-8440-8A8D-895524E3F2EB}" type="datetimeFigureOut">
               <a:rPr kumimoji="1" lang="zh-TW" altLang="en-US" smtClean="0"/>
-              <a:t>15/9/21</a:t>
+              <a:t>16/1/30</a:t>
             </a:fld>
             <a:endParaRPr kumimoji="1" lang="zh-TW" altLang="en-US"/>
           </a:p>
@@ -7682,1056 +7681,6 @@
   <p:clrMapOvr>
     <a:masterClrMapping/>
   </p:clrMapOvr>
-  <p:timing>
-    <p:tnLst>
-      <p:par>
-        <p:cTn xmlns:p14="http://schemas.microsoft.com/office/powerpoint/2010/main" id="1" dur="indefinite" restart="never" nodeType="tmRoot"/>
-      </p:par>
-    </p:tnLst>
-  </p:timing>
-</p:sld>
-</file>
-
-<file path=ppt/slides/slide30.xml><?xml version="1.0" encoding="utf-8"?>
-<p:sld xmlns:a="http://schemas.openxmlformats.org/drawingml/2006/main" xmlns:r="http://schemas.openxmlformats.org/officeDocument/2006/relationships" xmlns:p="http://schemas.openxmlformats.org/presentationml/2006/main" show="0">
-  <p:cSld>
-    <p:spTree>
-      <p:nvGrpSpPr>
-        <p:cNvPr id="1" name=""/>
-        <p:cNvGrpSpPr/>
-        <p:nvPr/>
-      </p:nvGrpSpPr>
-      <p:grpSpPr>
-        <a:xfrm>
-          <a:off x="0" y="0"/>
-          <a:ext cx="0" cy="0"/>
-          <a:chOff x="0" y="0"/>
-          <a:chExt cx="0" cy="0"/>
-        </a:xfrm>
-      </p:grpSpPr>
-      <p:sp>
-        <p:nvSpPr>
-          <p:cNvPr id="2" name="標題 1"/>
-          <p:cNvSpPr>
-            <a:spLocks noGrp="1"/>
-          </p:cNvSpPr>
-          <p:nvPr>
-            <p:ph type="title"/>
-          </p:nvPr>
-        </p:nvSpPr>
-        <p:spPr/>
-        <p:txBody>
-          <a:bodyPr/>
-          <a:lstStyle/>
-          <a:p>
-            <a:endParaRPr kumimoji="1" lang="zh-TW" altLang="en-US" dirty="0"/>
-          </a:p>
-        </p:txBody>
-      </p:sp>
-      <p:sp>
-        <p:nvSpPr>
-          <p:cNvPr id="13" name="內容版面配置區 2"/>
-          <p:cNvSpPr>
-            <a:spLocks noGrp="1"/>
-          </p:cNvSpPr>
-          <p:nvPr>
-            <p:ph idx="1"/>
-          </p:nvPr>
-        </p:nvSpPr>
-        <p:spPr/>
-        <p:txBody>
-          <a:bodyPr>
-            <a:normAutofit/>
-          </a:bodyPr>
-          <a:lstStyle/>
-          <a:p>
-            <a:r>
-              <a:rPr kumimoji="1" lang="en-US" altLang="zh-TW" sz="2000" dirty="0">
-                <a:latin typeface="微軟正黑體"/>
-                <a:cs typeface="微軟正黑體"/>
-              </a:rPr>
-              <a:t>【</a:t>
-            </a:r>
-            <a:r>
-              <a:rPr kumimoji="1" lang="zh-TW" altLang="en-US" sz="2000" dirty="0">
-                <a:latin typeface="微軟正黑體"/>
-                <a:cs typeface="微軟正黑體"/>
-              </a:rPr>
-              <a:t>實作主題</a:t>
-            </a:r>
-            <a:r>
-              <a:rPr kumimoji="1" lang="en-US" altLang="zh-TW" sz="2000" dirty="0">
-                <a:latin typeface="微軟正黑體"/>
-                <a:cs typeface="微軟正黑體"/>
-              </a:rPr>
-              <a:t>】 </a:t>
-            </a:r>
-            <a:endParaRPr kumimoji="1" lang="en-US" altLang="zh-TW" sz="2000" dirty="0" smtClean="0">
-              <a:latin typeface="微軟正黑體"/>
-              <a:cs typeface="微軟正黑體"/>
-            </a:endParaRPr>
-          </a:p>
-          <a:p>
-            <a:pPr lvl="1"/>
-            <a:r>
-              <a:rPr kumimoji="1" lang="zh-TW" altLang="en-US" sz="2000" dirty="0" smtClean="0">
-                <a:latin typeface="微軟正黑體"/>
-                <a:cs typeface="微軟正黑體"/>
-              </a:rPr>
-              <a:t>本</a:t>
-            </a:r>
-            <a:r>
-              <a:rPr kumimoji="1" lang="zh-TW" altLang="en-US" sz="2000" dirty="0">
-                <a:latin typeface="微軟正黑體"/>
-                <a:cs typeface="微軟正黑體"/>
-              </a:rPr>
-              <a:t>次實作</a:t>
-            </a:r>
-            <a:r>
-              <a:rPr kumimoji="1" lang="en-US" altLang="zh-TW" sz="2000" dirty="0">
-                <a:latin typeface="微軟正黑體"/>
-                <a:cs typeface="微軟正黑體"/>
-              </a:rPr>
-              <a:t>Lab</a:t>
-            </a:r>
-            <a:r>
-              <a:rPr kumimoji="1" lang="zh-TW" altLang="en-US" sz="2000" dirty="0">
-                <a:latin typeface="微軟正黑體"/>
-                <a:cs typeface="微軟正黑體"/>
-              </a:rPr>
-              <a:t>主題</a:t>
-            </a:r>
-            <a:r>
-              <a:rPr kumimoji="1" lang="en-US" altLang="zh-TW" sz="2000" dirty="0">
-                <a:latin typeface="微軟正黑體"/>
-                <a:cs typeface="微軟正黑體"/>
-              </a:rPr>
-              <a:t>:</a:t>
-            </a:r>
-            <a:r>
-              <a:rPr kumimoji="1" lang="zh-TW" altLang="en-US" sz="2000" dirty="0" smtClean="0">
-                <a:latin typeface="微軟正黑體"/>
-                <a:cs typeface="微軟正黑體"/>
-              </a:rPr>
-              <a:t>「</a:t>
-            </a:r>
-            <a:r>
-              <a:rPr lang="zh-TW" altLang="en-US" sz="2000" dirty="0" smtClean="0">
-                <a:latin typeface="微軟正黑體"/>
-                <a:cs typeface="微軟正黑體"/>
-              </a:rPr>
-              <a:t>大型分散式系統</a:t>
-            </a:r>
-            <a:r>
-              <a:rPr lang="en-US" altLang="zh-TW" sz="2000" dirty="0" smtClean="0">
-                <a:latin typeface="微軟正黑體"/>
-                <a:cs typeface="微軟正黑體"/>
-              </a:rPr>
-              <a:t>-</a:t>
-            </a:r>
-            <a:r>
-              <a:rPr lang="zh-TW" altLang="en-US" sz="2000" dirty="0" smtClean="0">
-                <a:latin typeface="微軟正黑體"/>
-                <a:cs typeface="微軟正黑體"/>
-              </a:rPr>
-              <a:t>使用者資料分析</a:t>
-            </a:r>
-            <a:r>
-              <a:rPr kumimoji="1" lang="zh-TW" altLang="en-US" sz="2000" dirty="0" smtClean="0">
-                <a:latin typeface="微軟正黑體"/>
-                <a:cs typeface="微軟正黑體"/>
-              </a:rPr>
-              <a:t>」。</a:t>
-            </a:r>
-            <a:r>
-              <a:rPr kumimoji="1" lang="en-US" altLang="zh-TW" sz="2000" dirty="0" smtClean="0">
-                <a:latin typeface="微軟正黑體"/>
-                <a:cs typeface="微軟正黑體"/>
-              </a:rPr>
-              <a:t>	</a:t>
-            </a:r>
-            <a:endParaRPr kumimoji="1" lang="zh-TW" altLang="en-US" sz="2000" dirty="0">
-              <a:latin typeface="微軟正黑體"/>
-              <a:cs typeface="微軟正黑體"/>
-            </a:endParaRPr>
-          </a:p>
-        </p:txBody>
-      </p:sp>
-      <p:graphicFrame>
-        <p:nvGraphicFramePr>
-          <p:cNvPr id="12" name="內容版面配置區 5"/>
-          <p:cNvGraphicFramePr>
-            <a:graphicFrameLocks/>
-          </p:cNvGraphicFramePr>
-          <p:nvPr>
-            <p:extLst>
-              <p:ext uri="{D42A27DB-BD31-4B8C-83A1-F6EECF244321}">
-                <p14:modId xmlns:p14="http://schemas.microsoft.com/office/powerpoint/2010/main" val="3953500057"/>
-              </p:ext>
-            </p:extLst>
-          </p:nvPr>
-        </p:nvGraphicFramePr>
-        <p:xfrm>
-          <a:off x="457200" y="3198887"/>
-          <a:ext cx="8229600" cy="2225040"/>
-        </p:xfrm>
-        <a:graphic>
-          <a:graphicData uri="http://schemas.openxmlformats.org/drawingml/2006/table">
-            <a:tbl>
-              <a:tblPr firstRow="1" bandRow="1">
-                <a:tableStyleId>{2D5ABB26-0587-4C30-8999-92F81FD0307C}</a:tableStyleId>
-              </a:tblPr>
-              <a:tblGrid>
-                <a:gridCol w="2743200"/>
-                <a:gridCol w="2743200"/>
-                <a:gridCol w="2743200"/>
-              </a:tblGrid>
-              <a:tr h="370840">
-                <a:tc gridSpan="3">
-                  <a:txBody>
-                    <a:bodyPr/>
-                    <a:lstStyle/>
-                    <a:p>
-                      <a:pPr algn="ctr"/>
-                      <a:r>
-                        <a:rPr lang="zh-TW" altLang="en-US" dirty="0" smtClean="0"/>
-                        <a:t>實作</a:t>
-                      </a:r>
-                      <a:r>
-                        <a:rPr lang="en-US" altLang="zh-TW" dirty="0" smtClean="0"/>
-                        <a:t> Lab </a:t>
-                      </a:r>
-                      <a:r>
-                        <a:rPr lang="zh-TW" altLang="en-US" dirty="0" smtClean="0"/>
-                        <a:t>主題：</a:t>
-                      </a:r>
-                      <a:r>
-                        <a:rPr lang="en-US" altLang="zh-TW" dirty="0" smtClean="0"/>
-                        <a:t>『』</a:t>
-                      </a:r>
-                      <a:endParaRPr lang="zh-TW" altLang="en-US" dirty="0"/>
-                    </a:p>
-                  </a:txBody>
-                  <a:tcPr anchor="ctr">
-                    <a:lnL w="19050" cap="flat" cmpd="sng" algn="ctr">
-                      <a:solidFill>
-                        <a:scrgbClr r="0" g="0" b="0"/>
-                      </a:solidFill>
-                      <a:prstDash val="solid"/>
-                      <a:round/>
-                      <a:headEnd type="none" w="med" len="med"/>
-                      <a:tailEnd type="none" w="med" len="med"/>
-                    </a:lnL>
-                    <a:lnR w="19050" cap="flat" cmpd="sng" algn="ctr">
-                      <a:solidFill>
-                        <a:scrgbClr r="0" g="0" b="0"/>
-                      </a:solidFill>
-                      <a:prstDash val="solid"/>
-                      <a:round/>
-                      <a:headEnd type="none" w="med" len="med"/>
-                      <a:tailEnd type="none" w="med" len="med"/>
-                    </a:lnR>
-                    <a:lnT w="19050" cap="flat" cmpd="sng" algn="ctr">
-                      <a:solidFill>
-                        <a:scrgbClr r="0" g="0" b="0"/>
-                      </a:solidFill>
-                      <a:prstDash val="solid"/>
-                      <a:round/>
-                      <a:headEnd type="none" w="med" len="med"/>
-                      <a:tailEnd type="none" w="med" len="med"/>
-                    </a:lnT>
-                    <a:lnB w="12700" cap="flat" cmpd="sng" algn="ctr">
-                      <a:solidFill>
-                        <a:scrgbClr r="0" g="0" b="0"/>
-                      </a:solidFill>
-                      <a:prstDash val="solid"/>
-                      <a:round/>
-                      <a:headEnd type="none" w="med" len="med"/>
-                      <a:tailEnd type="none" w="med" len="med"/>
-                    </a:lnB>
-                  </a:tcPr>
-                </a:tc>
-                <a:tc hMerge="1">
-                  <a:txBody>
-                    <a:bodyPr/>
-                    <a:lstStyle/>
-                    <a:p>
-                      <a:endParaRPr lang="zh-TW" altLang="en-US"/>
-                    </a:p>
-                  </a:txBody>
-                  <a:tcPr/>
-                </a:tc>
-                <a:tc hMerge="1">
-                  <a:txBody>
-                    <a:bodyPr/>
-                    <a:lstStyle/>
-                    <a:p>
-                      <a:endParaRPr lang="zh-TW" altLang="en-US" dirty="0"/>
-                    </a:p>
-                  </a:txBody>
-                  <a:tcPr/>
-                </a:tc>
-              </a:tr>
-              <a:tr h="370840">
-                <a:tc>
-                  <a:txBody>
-                    <a:bodyPr/>
-                    <a:lstStyle/>
-                    <a:p>
-                      <a:pPr algn="ctr"/>
-                      <a:r>
-                        <a:rPr lang="zh-TW" altLang="en-US" dirty="0" smtClean="0"/>
-                        <a:t>日期</a:t>
-                      </a:r>
-                      <a:endParaRPr lang="zh-TW" altLang="en-US" dirty="0"/>
-                    </a:p>
-                  </a:txBody>
-                  <a:tcPr anchor="ctr">
-                    <a:lnL w="19050" cap="flat" cmpd="sng" algn="ctr">
-                      <a:solidFill>
-                        <a:scrgbClr r="0" g="0" b="0"/>
-                      </a:solidFill>
-                      <a:prstDash val="solid"/>
-                      <a:round/>
-                      <a:headEnd type="none" w="med" len="med"/>
-                      <a:tailEnd type="none" w="med" len="med"/>
-                    </a:lnL>
-                    <a:lnR w="12700" cap="flat" cmpd="sng" algn="ctr">
-                      <a:solidFill>
-                        <a:scrgbClr r="0" g="0" b="0"/>
-                      </a:solidFill>
-                      <a:prstDash val="solid"/>
-                      <a:round/>
-                      <a:headEnd type="none" w="med" len="med"/>
-                      <a:tailEnd type="none" w="med" len="med"/>
-                    </a:lnR>
-                    <a:lnT w="12700" cap="flat" cmpd="sng" algn="ctr">
-                      <a:solidFill>
-                        <a:scrgbClr r="0" g="0" b="0"/>
-                      </a:solidFill>
-                      <a:prstDash val="solid"/>
-                      <a:round/>
-                      <a:headEnd type="none" w="med" len="med"/>
-                      <a:tailEnd type="none" w="med" len="med"/>
-                    </a:lnT>
-                    <a:lnB w="12700" cap="flat" cmpd="sng" algn="ctr">
-                      <a:solidFill>
-                        <a:scrgbClr r="0" g="0" b="0"/>
-                      </a:solidFill>
-                      <a:prstDash val="solid"/>
-                      <a:round/>
-                      <a:headEnd type="none" w="med" len="med"/>
-                      <a:tailEnd type="none" w="med" len="med"/>
-                    </a:lnB>
-                  </a:tcPr>
-                </a:tc>
-                <a:tc>
-                  <a:txBody>
-                    <a:bodyPr/>
-                    <a:lstStyle/>
-                    <a:p>
-                      <a:pPr algn="ctr"/>
-                      <a:r>
-                        <a:rPr lang="zh-TW" altLang="en-US" dirty="0" smtClean="0"/>
-                        <a:t>第一天</a:t>
-                      </a:r>
-                      <a:endParaRPr lang="zh-TW" altLang="en-US" dirty="0"/>
-                    </a:p>
-                  </a:txBody>
-                  <a:tcPr anchor="ctr">
-                    <a:lnL w="12700" cap="flat" cmpd="sng" algn="ctr">
-                      <a:solidFill>
-                        <a:scrgbClr r="0" g="0" b="0"/>
-                      </a:solidFill>
-                      <a:prstDash val="solid"/>
-                      <a:round/>
-                      <a:headEnd type="none" w="med" len="med"/>
-                      <a:tailEnd type="none" w="med" len="med"/>
-                    </a:lnL>
-                    <a:lnR w="12700" cap="flat" cmpd="sng" algn="ctr">
-                      <a:solidFill>
-                        <a:scrgbClr r="0" g="0" b="0"/>
-                      </a:solidFill>
-                      <a:prstDash val="solid"/>
-                      <a:round/>
-                      <a:headEnd type="none" w="med" len="med"/>
-                      <a:tailEnd type="none" w="med" len="med"/>
-                    </a:lnR>
-                    <a:lnT w="12700" cap="flat" cmpd="sng" algn="ctr">
-                      <a:solidFill>
-                        <a:scrgbClr r="0" g="0" b="0"/>
-                      </a:solidFill>
-                      <a:prstDash val="solid"/>
-                      <a:round/>
-                      <a:headEnd type="none" w="med" len="med"/>
-                      <a:tailEnd type="none" w="med" len="med"/>
-                    </a:lnT>
-                    <a:lnB w="12700" cap="flat" cmpd="sng" algn="ctr">
-                      <a:solidFill>
-                        <a:scrgbClr r="0" g="0" b="0"/>
-                      </a:solidFill>
-                      <a:prstDash val="solid"/>
-                      <a:round/>
-                      <a:headEnd type="none" w="med" len="med"/>
-                      <a:tailEnd type="none" w="med" len="med"/>
-                    </a:lnB>
-                  </a:tcPr>
-                </a:tc>
-                <a:tc>
-                  <a:txBody>
-                    <a:bodyPr/>
-                    <a:lstStyle/>
-                    <a:p>
-                      <a:pPr algn="ctr"/>
-                      <a:r>
-                        <a:rPr lang="zh-TW" altLang="en-US" dirty="0" smtClean="0"/>
-                        <a:t>第二天</a:t>
-                      </a:r>
-                      <a:endParaRPr lang="zh-TW" altLang="en-US" dirty="0"/>
-                    </a:p>
-                  </a:txBody>
-                  <a:tcPr anchor="ctr">
-                    <a:lnL w="12700" cap="flat" cmpd="sng" algn="ctr">
-                      <a:solidFill>
-                        <a:scrgbClr r="0" g="0" b="0"/>
-                      </a:solidFill>
-                      <a:prstDash val="solid"/>
-                      <a:round/>
-                      <a:headEnd type="none" w="med" len="med"/>
-                      <a:tailEnd type="none" w="med" len="med"/>
-                    </a:lnL>
-                    <a:lnR w="19050" cap="flat" cmpd="sng" algn="ctr">
-                      <a:solidFill>
-                        <a:scrgbClr r="0" g="0" b="0"/>
-                      </a:solidFill>
-                      <a:prstDash val="solid"/>
-                      <a:round/>
-                      <a:headEnd type="none" w="med" len="med"/>
-                      <a:tailEnd type="none" w="med" len="med"/>
-                    </a:lnR>
-                    <a:lnT w="12700" cap="flat" cmpd="sng" algn="ctr">
-                      <a:solidFill>
-                        <a:scrgbClr r="0" g="0" b="0"/>
-                      </a:solidFill>
-                      <a:prstDash val="solid"/>
-                      <a:round/>
-                      <a:headEnd type="none" w="med" len="med"/>
-                      <a:tailEnd type="none" w="med" len="med"/>
-                    </a:lnT>
-                    <a:lnB w="12700" cap="flat" cmpd="sng" algn="ctr">
-                      <a:solidFill>
-                        <a:scrgbClr r="0" g="0" b="0"/>
-                      </a:solidFill>
-                      <a:prstDash val="solid"/>
-                      <a:round/>
-                      <a:headEnd type="none" w="med" len="med"/>
-                      <a:tailEnd type="none" w="med" len="med"/>
-                    </a:lnB>
-                  </a:tcPr>
-                </a:tc>
-              </a:tr>
-              <a:tr h="370840">
-                <a:tc rowSpan="2">
-                  <a:txBody>
-                    <a:bodyPr/>
-                    <a:lstStyle/>
-                    <a:p>
-                      <a:pPr algn="ctr"/>
-                      <a:r>
-                        <a:rPr lang="zh-TW" altLang="en-US" dirty="0" smtClean="0"/>
-                        <a:t>上午</a:t>
-                      </a:r>
-                      <a:r>
-                        <a:rPr lang="en-US" altLang="zh-TW" dirty="0" smtClean="0"/>
-                        <a:t> 09:30 ~ 12:30</a:t>
-                      </a:r>
-                    </a:p>
-                  </a:txBody>
-                  <a:tcPr anchor="ctr">
-                    <a:lnL w="19050" cap="flat" cmpd="sng" algn="ctr">
-                      <a:solidFill>
-                        <a:scrgbClr r="0" g="0" b="0"/>
-                      </a:solidFill>
-                      <a:prstDash val="solid"/>
-                      <a:round/>
-                      <a:headEnd type="none" w="med" len="med"/>
-                      <a:tailEnd type="none" w="med" len="med"/>
-                    </a:lnL>
-                    <a:lnR w="12700" cap="flat" cmpd="sng" algn="ctr">
-                      <a:solidFill>
-                        <a:scrgbClr r="0" g="0" b="0"/>
-                      </a:solidFill>
-                      <a:prstDash val="solid"/>
-                      <a:round/>
-                      <a:headEnd type="none" w="med" len="med"/>
-                      <a:tailEnd type="none" w="med" len="med"/>
-                    </a:lnR>
-                    <a:lnT w="12700" cap="flat" cmpd="sng" algn="ctr">
-                      <a:solidFill>
-                        <a:scrgbClr r="0" g="0" b="0"/>
-                      </a:solidFill>
-                      <a:prstDash val="solid"/>
-                      <a:round/>
-                      <a:headEnd type="none" w="med" len="med"/>
-                      <a:tailEnd type="none" w="med" len="med"/>
-                    </a:lnT>
-                    <a:lnB w="12700" cap="flat" cmpd="sng" algn="ctr">
-                      <a:solidFill>
-                        <a:scrgbClr r="0" g="0" b="0"/>
-                      </a:solidFill>
-                      <a:prstDash val="solid"/>
-                      <a:round/>
-                      <a:headEnd type="none" w="med" len="med"/>
-                      <a:tailEnd type="none" w="med" len="med"/>
-                    </a:lnB>
-                  </a:tcPr>
-                </a:tc>
-                <a:tc>
-                  <a:txBody>
-                    <a:bodyPr/>
-                    <a:lstStyle/>
-                    <a:p>
-                      <a:pPr marL="0" marR="0" indent="0" algn="l" defTabSz="457200" rtl="0" eaLnBrk="1" fontAlgn="auto" latinLnBrk="0" hangingPunct="1">
-                        <a:lnSpc>
-                          <a:spcPct val="100000"/>
-                        </a:lnSpc>
-                        <a:spcBef>
-                          <a:spcPts val="0"/>
-                        </a:spcBef>
-                        <a:spcAft>
-                          <a:spcPts val="0"/>
-                        </a:spcAft>
-                        <a:buClrTx/>
-                        <a:buSzTx/>
-                        <a:buFontTx/>
-                        <a:buNone/>
-                        <a:tabLst/>
-                        <a:defRPr/>
-                      </a:pPr>
-                      <a:r>
-                        <a:rPr lang="zh-TW" altLang="en-US" dirty="0" smtClean="0"/>
-                        <a:t>認識</a:t>
-                      </a:r>
-                      <a:r>
-                        <a:rPr lang="en-US" altLang="zh-TW" dirty="0" smtClean="0"/>
-                        <a:t> </a:t>
-                      </a:r>
-                      <a:r>
-                        <a:rPr lang="en-US" altLang="zh-TW" dirty="0" err="1" smtClean="0"/>
-                        <a:t>Hadoop</a:t>
-                      </a:r>
-                      <a:endParaRPr lang="zh-TW" altLang="en-US" dirty="0" smtClean="0"/>
-                    </a:p>
-                  </a:txBody>
-                  <a:tcPr anchor="ctr">
-                    <a:lnL w="12700" cap="flat" cmpd="sng" algn="ctr">
-                      <a:solidFill>
-                        <a:scrgbClr r="0" g="0" b="0"/>
-                      </a:solidFill>
-                      <a:prstDash val="solid"/>
-                      <a:round/>
-                      <a:headEnd type="none" w="med" len="med"/>
-                      <a:tailEnd type="none" w="med" len="med"/>
-                    </a:lnL>
-                    <a:lnR w="12700" cap="flat" cmpd="sng" algn="ctr">
-                      <a:solidFill>
-                        <a:scrgbClr r="0" g="0" b="0"/>
-                      </a:solidFill>
-                      <a:prstDash val="solid"/>
-                      <a:round/>
-                      <a:headEnd type="none" w="med" len="med"/>
-                      <a:tailEnd type="none" w="med" len="med"/>
-                    </a:lnR>
-                    <a:lnT w="12700" cap="flat" cmpd="sng" algn="ctr">
-                      <a:solidFill>
-                        <a:scrgbClr r="0" g="0" b="0"/>
-                      </a:solidFill>
-                      <a:prstDash val="solid"/>
-                      <a:round/>
-                      <a:headEnd type="none" w="med" len="med"/>
-                      <a:tailEnd type="none" w="med" len="med"/>
-                    </a:lnT>
-                    <a:lnB w="12700" cap="flat" cmpd="sng" algn="ctr">
-                      <a:solidFill>
-                        <a:scrgbClr r="0" g="0" b="0"/>
-                      </a:solidFill>
-                      <a:prstDash val="solid"/>
-                      <a:round/>
-                      <a:headEnd type="none" w="med" len="med"/>
-                      <a:tailEnd type="none" w="med" len="med"/>
-                    </a:lnB>
-                  </a:tcPr>
-                </a:tc>
-                <a:tc>
-                  <a:txBody>
-                    <a:bodyPr/>
-                    <a:lstStyle/>
-                    <a:p>
-                      <a:endParaRPr lang="zh-TW" altLang="en-US"/>
-                    </a:p>
-                  </a:txBody>
-                  <a:tcPr anchor="ctr">
-                    <a:lnL w="12700" cap="flat" cmpd="sng" algn="ctr">
-                      <a:solidFill>
-                        <a:scrgbClr r="0" g="0" b="0"/>
-                      </a:solidFill>
-                      <a:prstDash val="solid"/>
-                      <a:round/>
-                      <a:headEnd type="none" w="med" len="med"/>
-                      <a:tailEnd type="none" w="med" len="med"/>
-                    </a:lnL>
-                    <a:lnR w="19050" cap="flat" cmpd="sng" algn="ctr">
-                      <a:solidFill>
-                        <a:scrgbClr r="0" g="0" b="0"/>
-                      </a:solidFill>
-                      <a:prstDash val="solid"/>
-                      <a:round/>
-                      <a:headEnd type="none" w="med" len="med"/>
-                      <a:tailEnd type="none" w="med" len="med"/>
-                    </a:lnR>
-                    <a:lnT w="12700" cap="flat" cmpd="sng" algn="ctr">
-                      <a:solidFill>
-                        <a:scrgbClr r="0" g="0" b="0"/>
-                      </a:solidFill>
-                      <a:prstDash val="solid"/>
-                      <a:round/>
-                      <a:headEnd type="none" w="med" len="med"/>
-                      <a:tailEnd type="none" w="med" len="med"/>
-                    </a:lnT>
-                    <a:lnB w="12700" cap="flat" cmpd="sng" algn="ctr">
-                      <a:solidFill>
-                        <a:scrgbClr r="0" g="0" b="0"/>
-                      </a:solidFill>
-                      <a:prstDash val="solid"/>
-                      <a:round/>
-                      <a:headEnd type="none" w="med" len="med"/>
-                      <a:tailEnd type="none" w="med" len="med"/>
-                    </a:lnB>
-                  </a:tcPr>
-                </a:tc>
-              </a:tr>
-              <a:tr h="370840">
-                <a:tc vMerge="1">
-                  <a:txBody>
-                    <a:bodyPr/>
-                    <a:lstStyle/>
-                    <a:p>
-                      <a:endParaRPr lang="zh-TW" altLang="en-US" dirty="0"/>
-                    </a:p>
-                  </a:txBody>
-                  <a:tcPr/>
-                </a:tc>
-                <a:tc>
-                  <a:txBody>
-                    <a:bodyPr/>
-                    <a:lstStyle/>
-                    <a:p>
-                      <a:pPr marL="0" marR="0" indent="0" algn="l" defTabSz="457200" rtl="0" eaLnBrk="1" fontAlgn="auto" latinLnBrk="0" hangingPunct="1">
-                        <a:lnSpc>
-                          <a:spcPct val="100000"/>
-                        </a:lnSpc>
-                        <a:spcBef>
-                          <a:spcPts val="0"/>
-                        </a:spcBef>
-                        <a:spcAft>
-                          <a:spcPts val="0"/>
-                        </a:spcAft>
-                        <a:buClrTx/>
-                        <a:buSzTx/>
-                        <a:buFontTx/>
-                        <a:buNone/>
-                        <a:tabLst/>
-                        <a:defRPr/>
-                      </a:pPr>
-                      <a:r>
-                        <a:rPr lang="zh-TW" altLang="en-US" dirty="0" smtClean="0"/>
-                        <a:t>建置</a:t>
-                      </a:r>
-                      <a:r>
-                        <a:rPr lang="en-US" altLang="zh-TW" dirty="0" smtClean="0"/>
-                        <a:t> </a:t>
-                      </a:r>
-                      <a:r>
-                        <a:rPr lang="en-US" altLang="zh-TW" dirty="0" err="1" smtClean="0"/>
-                        <a:t>Hadoop</a:t>
-                      </a:r>
-                      <a:r>
-                        <a:rPr lang="en-US" altLang="zh-TW" dirty="0" smtClean="0"/>
-                        <a:t> </a:t>
-                      </a:r>
-                      <a:r>
-                        <a:rPr lang="zh-TW" altLang="en-US" dirty="0" smtClean="0"/>
-                        <a:t>環境</a:t>
-                      </a:r>
-                    </a:p>
-                  </a:txBody>
-                  <a:tcPr anchor="ctr">
-                    <a:lnL w="12700" cap="flat" cmpd="sng" algn="ctr">
-                      <a:solidFill>
-                        <a:scrgbClr r="0" g="0" b="0"/>
-                      </a:solidFill>
-                      <a:prstDash val="solid"/>
-                      <a:round/>
-                      <a:headEnd type="none" w="med" len="med"/>
-                      <a:tailEnd type="none" w="med" len="med"/>
-                    </a:lnL>
-                    <a:lnR w="12700" cap="flat" cmpd="sng" algn="ctr">
-                      <a:solidFill>
-                        <a:scrgbClr r="0" g="0" b="0"/>
-                      </a:solidFill>
-                      <a:prstDash val="solid"/>
-                      <a:round/>
-                      <a:headEnd type="none" w="med" len="med"/>
-                      <a:tailEnd type="none" w="med" len="med"/>
-                    </a:lnR>
-                    <a:lnT w="12700" cap="flat" cmpd="sng" algn="ctr">
-                      <a:solidFill>
-                        <a:scrgbClr r="0" g="0" b="0"/>
-                      </a:solidFill>
-                      <a:prstDash val="solid"/>
-                      <a:round/>
-                      <a:headEnd type="none" w="med" len="med"/>
-                      <a:tailEnd type="none" w="med" len="med"/>
-                    </a:lnT>
-                    <a:lnB w="12700" cap="flat" cmpd="sng" algn="ctr">
-                      <a:solidFill>
-                        <a:scrgbClr r="0" g="0" b="0"/>
-                      </a:solidFill>
-                      <a:prstDash val="solid"/>
-                      <a:round/>
-                      <a:headEnd type="none" w="med" len="med"/>
-                      <a:tailEnd type="none" w="med" len="med"/>
-                    </a:lnB>
-                  </a:tcPr>
-                </a:tc>
-                <a:tc>
-                  <a:txBody>
-                    <a:bodyPr/>
-                    <a:lstStyle/>
-                    <a:p>
-                      <a:endParaRPr lang="zh-TW" altLang="en-US"/>
-                    </a:p>
-                  </a:txBody>
-                  <a:tcPr anchor="ctr">
-                    <a:lnL w="12700" cap="flat" cmpd="sng" algn="ctr">
-                      <a:solidFill>
-                        <a:scrgbClr r="0" g="0" b="0"/>
-                      </a:solidFill>
-                      <a:prstDash val="solid"/>
-                      <a:round/>
-                      <a:headEnd type="none" w="med" len="med"/>
-                      <a:tailEnd type="none" w="med" len="med"/>
-                    </a:lnL>
-                    <a:lnR w="19050" cap="flat" cmpd="sng" algn="ctr">
-                      <a:solidFill>
-                        <a:scrgbClr r="0" g="0" b="0"/>
-                      </a:solidFill>
-                      <a:prstDash val="solid"/>
-                      <a:round/>
-                      <a:headEnd type="none" w="med" len="med"/>
-                      <a:tailEnd type="none" w="med" len="med"/>
-                    </a:lnR>
-                    <a:lnT w="12700" cap="flat" cmpd="sng" algn="ctr">
-                      <a:solidFill>
-                        <a:scrgbClr r="0" g="0" b="0"/>
-                      </a:solidFill>
-                      <a:prstDash val="solid"/>
-                      <a:round/>
-                      <a:headEnd type="none" w="med" len="med"/>
-                      <a:tailEnd type="none" w="med" len="med"/>
-                    </a:lnT>
-                    <a:lnB w="12700" cap="flat" cmpd="sng" algn="ctr">
-                      <a:solidFill>
-                        <a:scrgbClr r="0" g="0" b="0"/>
-                      </a:solidFill>
-                      <a:prstDash val="solid"/>
-                      <a:round/>
-                      <a:headEnd type="none" w="med" len="med"/>
-                      <a:tailEnd type="none" w="med" len="med"/>
-                    </a:lnB>
-                  </a:tcPr>
-                </a:tc>
-              </a:tr>
-              <a:tr h="370840">
-                <a:tc rowSpan="2">
-                  <a:txBody>
-                    <a:bodyPr/>
-                    <a:lstStyle/>
-                    <a:p>
-                      <a:pPr algn="ctr"/>
-                      <a:r>
-                        <a:rPr lang="zh-TW" altLang="en-US" dirty="0" smtClean="0"/>
-                        <a:t>下午</a:t>
-                      </a:r>
-                      <a:r>
-                        <a:rPr lang="en-US" altLang="zh-TW" dirty="0" smtClean="0"/>
-                        <a:t> 13:30 ~ 16:30</a:t>
-                      </a:r>
-                      <a:endParaRPr lang="zh-TW" altLang="en-US" dirty="0"/>
-                    </a:p>
-                  </a:txBody>
-                  <a:tcPr anchor="ctr">
-                    <a:lnL w="19050" cap="flat" cmpd="sng" algn="ctr">
-                      <a:solidFill>
-                        <a:scrgbClr r="0" g="0" b="0"/>
-                      </a:solidFill>
-                      <a:prstDash val="solid"/>
-                      <a:round/>
-                      <a:headEnd type="none" w="med" len="med"/>
-                      <a:tailEnd type="none" w="med" len="med"/>
-                    </a:lnL>
-                    <a:lnR w="12700" cap="flat" cmpd="sng" algn="ctr">
-                      <a:solidFill>
-                        <a:scrgbClr r="0" g="0" b="0"/>
-                      </a:solidFill>
-                      <a:prstDash val="solid"/>
-                      <a:round/>
-                      <a:headEnd type="none" w="med" len="med"/>
-                      <a:tailEnd type="none" w="med" len="med"/>
-                    </a:lnR>
-                    <a:lnT w="12700" cap="flat" cmpd="sng" algn="ctr">
-                      <a:solidFill>
-                        <a:scrgbClr r="0" g="0" b="0"/>
-                      </a:solidFill>
-                      <a:prstDash val="solid"/>
-                      <a:round/>
-                      <a:headEnd type="none" w="med" len="med"/>
-                      <a:tailEnd type="none" w="med" len="med"/>
-                    </a:lnT>
-                    <a:lnB w="19050" cap="flat" cmpd="sng" algn="ctr">
-                      <a:solidFill>
-                        <a:scrgbClr r="0" g="0" b="0"/>
-                      </a:solidFill>
-                      <a:prstDash val="solid"/>
-                      <a:round/>
-                      <a:headEnd type="none" w="med" len="med"/>
-                      <a:tailEnd type="none" w="med" len="med"/>
-                    </a:lnB>
-                  </a:tcPr>
-                </a:tc>
-                <a:tc>
-                  <a:txBody>
-                    <a:bodyPr/>
-                    <a:lstStyle/>
-                    <a:p>
-                      <a:endParaRPr lang="zh-TW" altLang="en-US" dirty="0"/>
-                    </a:p>
-                  </a:txBody>
-                  <a:tcPr anchor="ctr">
-                    <a:lnL w="12700" cap="flat" cmpd="sng" algn="ctr">
-                      <a:solidFill>
-                        <a:scrgbClr r="0" g="0" b="0"/>
-                      </a:solidFill>
-                      <a:prstDash val="solid"/>
-                      <a:round/>
-                      <a:headEnd type="none" w="med" len="med"/>
-                      <a:tailEnd type="none" w="med" len="med"/>
-                    </a:lnL>
-                    <a:lnR w="12700" cap="flat" cmpd="sng" algn="ctr">
-                      <a:solidFill>
-                        <a:scrgbClr r="0" g="0" b="0"/>
-                      </a:solidFill>
-                      <a:prstDash val="solid"/>
-                      <a:round/>
-                      <a:headEnd type="none" w="med" len="med"/>
-                      <a:tailEnd type="none" w="med" len="med"/>
-                    </a:lnR>
-                    <a:lnT w="12700" cap="flat" cmpd="sng" algn="ctr">
-                      <a:solidFill>
-                        <a:scrgbClr r="0" g="0" b="0"/>
-                      </a:solidFill>
-                      <a:prstDash val="solid"/>
-                      <a:round/>
-                      <a:headEnd type="none" w="med" len="med"/>
-                      <a:tailEnd type="none" w="med" len="med"/>
-                    </a:lnT>
-                    <a:lnB w="12700" cap="flat" cmpd="sng" algn="ctr">
-                      <a:solidFill>
-                        <a:scrgbClr r="0" g="0" b="0"/>
-                      </a:solidFill>
-                      <a:prstDash val="solid"/>
-                      <a:round/>
-                      <a:headEnd type="none" w="med" len="med"/>
-                      <a:tailEnd type="none" w="med" len="med"/>
-                    </a:lnB>
-                  </a:tcPr>
-                </a:tc>
-                <a:tc>
-                  <a:txBody>
-                    <a:bodyPr/>
-                    <a:lstStyle/>
-                    <a:p>
-                      <a:endParaRPr lang="zh-TW" altLang="en-US"/>
-                    </a:p>
-                  </a:txBody>
-                  <a:tcPr anchor="ctr">
-                    <a:lnL w="12700" cap="flat" cmpd="sng" algn="ctr">
-                      <a:solidFill>
-                        <a:scrgbClr r="0" g="0" b="0"/>
-                      </a:solidFill>
-                      <a:prstDash val="solid"/>
-                      <a:round/>
-                      <a:headEnd type="none" w="med" len="med"/>
-                      <a:tailEnd type="none" w="med" len="med"/>
-                    </a:lnL>
-                    <a:lnR w="19050" cap="flat" cmpd="sng" algn="ctr">
-                      <a:solidFill>
-                        <a:scrgbClr r="0" g="0" b="0"/>
-                      </a:solidFill>
-                      <a:prstDash val="solid"/>
-                      <a:round/>
-                      <a:headEnd type="none" w="med" len="med"/>
-                      <a:tailEnd type="none" w="med" len="med"/>
-                    </a:lnR>
-                    <a:lnT w="12700" cap="flat" cmpd="sng" algn="ctr">
-                      <a:solidFill>
-                        <a:scrgbClr r="0" g="0" b="0"/>
-                      </a:solidFill>
-                      <a:prstDash val="solid"/>
-                      <a:round/>
-                      <a:headEnd type="none" w="med" len="med"/>
-                      <a:tailEnd type="none" w="med" len="med"/>
-                    </a:lnT>
-                    <a:lnB w="12700" cap="flat" cmpd="sng" algn="ctr">
-                      <a:solidFill>
-                        <a:scrgbClr r="0" g="0" b="0"/>
-                      </a:solidFill>
-                      <a:prstDash val="solid"/>
-                      <a:round/>
-                      <a:headEnd type="none" w="med" len="med"/>
-                      <a:tailEnd type="none" w="med" len="med"/>
-                    </a:lnB>
-                  </a:tcPr>
-                </a:tc>
-              </a:tr>
-              <a:tr h="370840">
-                <a:tc vMerge="1">
-                  <a:txBody>
-                    <a:bodyPr/>
-                    <a:lstStyle/>
-                    <a:p>
-                      <a:endParaRPr lang="zh-TW" altLang="en-US" dirty="0"/>
-                    </a:p>
-                  </a:txBody>
-                  <a:tcPr/>
-                </a:tc>
-                <a:tc>
-                  <a:txBody>
-                    <a:bodyPr/>
-                    <a:lstStyle/>
-                    <a:p>
-                      <a:endParaRPr lang="zh-TW" altLang="en-US"/>
-                    </a:p>
-                  </a:txBody>
-                  <a:tcPr anchor="ctr">
-                    <a:lnL w="12700" cap="flat" cmpd="sng" algn="ctr">
-                      <a:solidFill>
-                        <a:scrgbClr r="0" g="0" b="0"/>
-                      </a:solidFill>
-                      <a:prstDash val="solid"/>
-                      <a:round/>
-                      <a:headEnd type="none" w="med" len="med"/>
-                      <a:tailEnd type="none" w="med" len="med"/>
-                    </a:lnL>
-                    <a:lnR w="12700" cap="flat" cmpd="sng" algn="ctr">
-                      <a:solidFill>
-                        <a:scrgbClr r="0" g="0" b="0"/>
-                      </a:solidFill>
-                      <a:prstDash val="solid"/>
-                      <a:round/>
-                      <a:headEnd type="none" w="med" len="med"/>
-                      <a:tailEnd type="none" w="med" len="med"/>
-                    </a:lnR>
-                    <a:lnT w="12700" cap="flat" cmpd="sng" algn="ctr">
-                      <a:solidFill>
-                        <a:scrgbClr r="0" g="0" b="0"/>
-                      </a:solidFill>
-                      <a:prstDash val="solid"/>
-                      <a:round/>
-                      <a:headEnd type="none" w="med" len="med"/>
-                      <a:tailEnd type="none" w="med" len="med"/>
-                    </a:lnT>
-                    <a:lnB w="19050" cap="flat" cmpd="sng" algn="ctr">
-                      <a:solidFill>
-                        <a:scrgbClr r="0" g="0" b="0"/>
-                      </a:solidFill>
-                      <a:prstDash val="solid"/>
-                      <a:round/>
-                      <a:headEnd type="none" w="med" len="med"/>
-                      <a:tailEnd type="none" w="med" len="med"/>
-                    </a:lnB>
-                  </a:tcPr>
-                </a:tc>
-                <a:tc>
-                  <a:txBody>
-                    <a:bodyPr/>
-                    <a:lstStyle/>
-                    <a:p>
-                      <a:endParaRPr lang="zh-TW" altLang="en-US" dirty="0"/>
-                    </a:p>
-                  </a:txBody>
-                  <a:tcPr anchor="ctr">
-                    <a:lnL w="12700" cap="flat" cmpd="sng" algn="ctr">
-                      <a:solidFill>
-                        <a:scrgbClr r="0" g="0" b="0"/>
-                      </a:solidFill>
-                      <a:prstDash val="solid"/>
-                      <a:round/>
-                      <a:headEnd type="none" w="med" len="med"/>
-                      <a:tailEnd type="none" w="med" len="med"/>
-                    </a:lnL>
-                    <a:lnR w="19050" cap="flat" cmpd="sng" algn="ctr">
-                      <a:solidFill>
-                        <a:scrgbClr r="0" g="0" b="0"/>
-                      </a:solidFill>
-                      <a:prstDash val="solid"/>
-                      <a:round/>
-                      <a:headEnd type="none" w="med" len="med"/>
-                      <a:tailEnd type="none" w="med" len="med"/>
-                    </a:lnR>
-                    <a:lnT w="12700" cap="flat" cmpd="sng" algn="ctr">
-                      <a:solidFill>
-                        <a:scrgbClr r="0" g="0" b="0"/>
-                      </a:solidFill>
-                      <a:prstDash val="solid"/>
-                      <a:round/>
-                      <a:headEnd type="none" w="med" len="med"/>
-                      <a:tailEnd type="none" w="med" len="med"/>
-                    </a:lnT>
-                    <a:lnB w="19050" cap="flat" cmpd="sng" algn="ctr">
-                      <a:solidFill>
-                        <a:scrgbClr r="0" g="0" b="0"/>
-                      </a:solidFill>
-                      <a:prstDash val="solid"/>
-                      <a:round/>
-                      <a:headEnd type="none" w="med" len="med"/>
-                      <a:tailEnd type="none" w="med" len="med"/>
-                    </a:lnB>
-                  </a:tcPr>
-                </a:tc>
-              </a:tr>
-            </a:tbl>
-          </a:graphicData>
-        </a:graphic>
-      </p:graphicFrame>
-    </p:spTree>
-    <p:extLst>
-      <p:ext uri="{BB962C8B-B14F-4D97-AF65-F5344CB8AC3E}">
-        <p14:creationId xmlns:p14="http://schemas.microsoft.com/office/powerpoint/2010/main" val="286170272"/>
-      </p:ext>
-    </p:extLst>
-  </p:cSld>
-  <p:clrMapOvr>
-    <a:masterClrMapping/>
-  </p:clrMapOvr>
-  <mc:AlternateContent xmlns:mc="http://schemas.openxmlformats.org/markup-compatibility/2006">
-    <mc:Choice xmlns:p14="http://schemas.microsoft.com/office/powerpoint/2010/main" Requires="p14">
-      <p:transition spd="slow" p14:dur="2000"/>
-    </mc:Choice>
-    <mc:Fallback>
-      <p:transition xmlns:p14="http://schemas.microsoft.com/office/powerpoint/2010/main" spd="slow"/>
-    </mc:Fallback>
-  </mc:AlternateContent>
   <p:timing>
     <p:tnLst>
       <p:par>

--- a/doc/LabHadoop.pptx
+++ b/doc/LabHadoop.pptx
@@ -316,7 +316,7 @@
           <a:p>
             <a:fld id="{6B19A3A6-0344-8440-8A8D-895524E3F2EB}" type="datetimeFigureOut">
               <a:rPr kumimoji="1" lang="zh-TW" altLang="en-US" smtClean="0"/>
-              <a:t>16/1/30</a:t>
+              <a:t>16/3/21</a:t>
             </a:fld>
             <a:endParaRPr kumimoji="1" lang="zh-TW" altLang="en-US"/>
           </a:p>
@@ -486,7 +486,7 @@
           <a:p>
             <a:fld id="{6B19A3A6-0344-8440-8A8D-895524E3F2EB}" type="datetimeFigureOut">
               <a:rPr kumimoji="1" lang="zh-TW" altLang="en-US" smtClean="0"/>
-              <a:t>16/1/30</a:t>
+              <a:t>16/3/21</a:t>
             </a:fld>
             <a:endParaRPr kumimoji="1" lang="zh-TW" altLang="en-US"/>
           </a:p>
@@ -666,7 +666,7 @@
           <a:p>
             <a:fld id="{6B19A3A6-0344-8440-8A8D-895524E3F2EB}" type="datetimeFigureOut">
               <a:rPr kumimoji="1" lang="zh-TW" altLang="en-US" smtClean="0"/>
-              <a:t>16/1/30</a:t>
+              <a:t>16/3/21</a:t>
             </a:fld>
             <a:endParaRPr kumimoji="1" lang="zh-TW" altLang="en-US"/>
           </a:p>
@@ -836,7 +836,7 @@
           <a:p>
             <a:fld id="{6B19A3A6-0344-8440-8A8D-895524E3F2EB}" type="datetimeFigureOut">
               <a:rPr kumimoji="1" lang="zh-TW" altLang="en-US" smtClean="0"/>
-              <a:t>16/1/30</a:t>
+              <a:t>16/3/21</a:t>
             </a:fld>
             <a:endParaRPr kumimoji="1" lang="zh-TW" altLang="en-US"/>
           </a:p>
@@ -1082,7 +1082,7 @@
           <a:p>
             <a:fld id="{6B19A3A6-0344-8440-8A8D-895524E3F2EB}" type="datetimeFigureOut">
               <a:rPr kumimoji="1" lang="zh-TW" altLang="en-US" smtClean="0"/>
-              <a:t>16/1/30</a:t>
+              <a:t>16/3/21</a:t>
             </a:fld>
             <a:endParaRPr kumimoji="1" lang="zh-TW" altLang="en-US"/>
           </a:p>
@@ -1370,7 +1370,7 @@
           <a:p>
             <a:fld id="{6B19A3A6-0344-8440-8A8D-895524E3F2EB}" type="datetimeFigureOut">
               <a:rPr kumimoji="1" lang="zh-TW" altLang="en-US" smtClean="0"/>
-              <a:t>16/1/30</a:t>
+              <a:t>16/3/21</a:t>
             </a:fld>
             <a:endParaRPr kumimoji="1" lang="zh-TW" altLang="en-US"/>
           </a:p>
@@ -1792,7 +1792,7 @@
           <a:p>
             <a:fld id="{6B19A3A6-0344-8440-8A8D-895524E3F2EB}" type="datetimeFigureOut">
               <a:rPr kumimoji="1" lang="zh-TW" altLang="en-US" smtClean="0"/>
-              <a:t>16/1/30</a:t>
+              <a:t>16/3/21</a:t>
             </a:fld>
             <a:endParaRPr kumimoji="1" lang="zh-TW" altLang="en-US"/>
           </a:p>
@@ -1910,7 +1910,7 @@
           <a:p>
             <a:fld id="{6B19A3A6-0344-8440-8A8D-895524E3F2EB}" type="datetimeFigureOut">
               <a:rPr kumimoji="1" lang="zh-TW" altLang="en-US" smtClean="0"/>
-              <a:t>16/1/30</a:t>
+              <a:t>16/3/21</a:t>
             </a:fld>
             <a:endParaRPr kumimoji="1" lang="zh-TW" altLang="en-US"/>
           </a:p>
@@ -2005,7 +2005,7 @@
           <a:p>
             <a:fld id="{6B19A3A6-0344-8440-8A8D-895524E3F2EB}" type="datetimeFigureOut">
               <a:rPr kumimoji="1" lang="zh-TW" altLang="en-US" smtClean="0"/>
-              <a:t>16/1/30</a:t>
+              <a:t>16/3/21</a:t>
             </a:fld>
             <a:endParaRPr kumimoji="1" lang="zh-TW" altLang="en-US"/>
           </a:p>
@@ -2282,7 +2282,7 @@
           <a:p>
             <a:fld id="{6B19A3A6-0344-8440-8A8D-895524E3F2EB}" type="datetimeFigureOut">
               <a:rPr kumimoji="1" lang="zh-TW" altLang="en-US" smtClean="0"/>
-              <a:t>16/1/30</a:t>
+              <a:t>16/3/21</a:t>
             </a:fld>
             <a:endParaRPr kumimoji="1" lang="zh-TW" altLang="en-US"/>
           </a:p>
@@ -2535,7 +2535,7 @@
           <a:p>
             <a:fld id="{6B19A3A6-0344-8440-8A8D-895524E3F2EB}" type="datetimeFigureOut">
               <a:rPr kumimoji="1" lang="zh-TW" altLang="en-US" smtClean="0"/>
-              <a:t>16/1/30</a:t>
+              <a:t>16/3/21</a:t>
             </a:fld>
             <a:endParaRPr kumimoji="1" lang="zh-TW" altLang="en-US"/>
           </a:p>
@@ -2748,7 +2748,7 @@
           <a:p>
             <a:fld id="{6B19A3A6-0344-8440-8A8D-895524E3F2EB}" type="datetimeFigureOut">
               <a:rPr kumimoji="1" lang="zh-TW" altLang="en-US" smtClean="0"/>
-              <a:t>16/1/30</a:t>
+              <a:t>16/3/21</a:t>
             </a:fld>
             <a:endParaRPr kumimoji="1" lang="zh-TW" altLang="en-US"/>
           </a:p>
@@ -3147,36 +3147,20 @@
               <a:t>Hadoop</a:t>
             </a:r>
             <a:r>
+              <a:rPr kumimoji="1" lang="en-US" altLang="zh-TW" b="1" dirty="0" smtClean="0">
+                <a:latin typeface="Hannotate TC Regular"/>
+                <a:ea typeface="微軟正黑體"/>
+                <a:cs typeface="Hannotate TC Regular"/>
+              </a:rPr>
+              <a:t> Lab </a:t>
+            </a:r>
+            <a:r>
               <a:rPr kumimoji="1" lang="zh-TW" altLang="en-US" b="1" dirty="0" smtClean="0">
                 <a:latin typeface="Hannotate TC Regular"/>
                 <a:ea typeface="微軟正黑體"/>
                 <a:cs typeface="Hannotate TC Regular"/>
               </a:rPr>
-              <a:t>技術工程師</a:t>
-            </a:r>
-            <a:r>
-              <a:rPr kumimoji="1" lang="en-US" altLang="zh-TW" b="1" dirty="0" smtClean="0">
-                <a:latin typeface="Hannotate TC Regular"/>
-                <a:ea typeface="微軟正黑體"/>
-                <a:cs typeface="Hannotate TC Regular"/>
-              </a:rPr>
-              <a:t> – </a:t>
-            </a:r>
-            <a:r>
-              <a:rPr kumimoji="1" lang="zh-TW" altLang="en-US" b="1" dirty="0" smtClean="0">
-                <a:latin typeface="Hannotate TC Regular"/>
-                <a:ea typeface="微軟正黑體"/>
-                <a:cs typeface="Hannotate TC Regular"/>
-              </a:rPr>
-              <a:t>實作</a:t>
-            </a:r>
-            <a:r>
-              <a:rPr kumimoji="1" lang="en-US" altLang="zh-TW" b="1" dirty="0" smtClean="0">
-                <a:latin typeface="Hannotate TC Regular"/>
-                <a:ea typeface="微軟正黑體"/>
-                <a:cs typeface="Hannotate TC Regular"/>
-              </a:rPr>
-              <a:t>Lab</a:t>
+              <a:t>實作課程</a:t>
             </a:r>
             <a:endParaRPr kumimoji="1" lang="zh-TW" altLang="en-US" b="1" dirty="0">
               <a:latin typeface="Hannotate TC Regular"/>
@@ -3207,8 +3191,13 @@
                 <a:ea typeface="微軟正黑體"/>
                 <a:cs typeface="Hannotate TC Regular"/>
               </a:rPr>
-              <a:t>2015-XX-XX</a:t>
-            </a:r>
+              <a:t>2016-03-21</a:t>
+            </a:r>
+            <a:endParaRPr kumimoji="1" lang="en-US" altLang="zh-TW" dirty="0" smtClean="0">
+              <a:latin typeface="Hannotate TC Regular"/>
+              <a:ea typeface="微軟正黑體"/>
+              <a:cs typeface="Hannotate TC Regular"/>
+            </a:endParaRPr>
           </a:p>
           <a:p>
             <a:r>
@@ -7643,7 +7632,7 @@
       </p:sp>
       <p:pic>
         <p:nvPicPr>
-          <p:cNvPr id="4" name="圖片 3" descr="15888_933810223330390_1685656152368745487_n.jpg"/>
+          <p:cNvPr id="4" name="圖片 3"/>
           <p:cNvPicPr>
             <a:picLocks noChangeAspect="1"/>
           </p:cNvPicPr>
@@ -8846,7 +8835,7 @@
           <p:nvPr>
             <p:extLst>
               <p:ext uri="{D42A27DB-BD31-4B8C-83A1-F6EECF244321}">
-                <p14:modId xmlns:p14="http://schemas.microsoft.com/office/powerpoint/2010/main" val="137691537"/>
+                <p14:modId xmlns:p14="http://schemas.microsoft.com/office/powerpoint/2010/main" val="84959958"/>
               </p:ext>
             </p:extLst>
           </p:nvPr>
@@ -9112,7 +9101,7 @@
                           <a:latin typeface="Hannotate TC Regular"/>
                           <a:cs typeface="Hannotate TC Regular"/>
                         </a:rPr>
-                        <a:t>192.168.60.100</a:t>
+                        <a:t>192.168.60.101</a:t>
                       </a:r>
                       <a:endParaRPr lang="zh-TW" altLang="en-US" dirty="0">
                         <a:latin typeface="Hannotate TC Regular"/>
@@ -9295,7 +9284,7 @@
                           <a:latin typeface="Hannotate TC Regular"/>
                           <a:cs typeface="Hannotate TC Regular"/>
                         </a:rPr>
-                        <a:t>192.168.60.101</a:t>
+                        <a:t>192.168.60.102</a:t>
                       </a:r>
                       <a:endParaRPr lang="zh-TW" altLang="en-US" dirty="0">
                         <a:latin typeface="Hannotate TC Regular"/>
@@ -9478,7 +9467,7 @@
                           <a:latin typeface="Hannotate TC Regular"/>
                           <a:cs typeface="Hannotate TC Regular"/>
                         </a:rPr>
-                        <a:t>192.168.60.102</a:t>
+                        <a:t>192.168.60.103</a:t>
                       </a:r>
                       <a:endParaRPr lang="zh-TW" altLang="en-US" dirty="0">
                         <a:latin typeface="Hannotate TC Regular"/>
@@ -10630,7 +10619,14 @@
                 <a:latin typeface="Hannotate TC Regular"/>
                 <a:cs typeface="Hannotate TC Regular"/>
               </a:rPr>
-              <a:t>Modify to the static IP and try a test</a:t>
+              <a:t>Modify </a:t>
+            </a:r>
+            <a:r>
+              <a:rPr kumimoji="1" lang="en-US" altLang="zh-TW" sz="2800" dirty="0" smtClean="0">
+                <a:latin typeface="Hannotate TC Regular"/>
+                <a:cs typeface="Hannotate TC Regular"/>
+              </a:rPr>
+              <a:t>to the static IP and try a test</a:t>
             </a:r>
           </a:p>
           <a:p>
